--- a/2D겜플 중간발표.pptx
+++ b/2D겜플 중간발표.pptx
@@ -201,7 +201,7 @@
           <a:p>
             <a:fld id="{4B6388B5-D80D-4105-B455-9E30BEBF8289}" type="datetimeFigureOut">
               <a:rPr lang="ko-KR" altLang="en-US" smtClean="0"/>
-              <a:t>2018-11-03</a:t>
+              <a:t>2018-11-04</a:t>
             </a:fld>
             <a:endParaRPr lang="ko-KR" altLang="en-US"/>
           </a:p>
@@ -607,7 +607,7 @@
           <a:p>
             <a:fld id="{FE2EBCBD-2891-4145-9196-57E9D5C47B65}" type="datetimeFigureOut">
               <a:rPr lang="ko-KR" altLang="en-US" smtClean="0"/>
-              <a:t>2018-11-03</a:t>
+              <a:t>2018-11-04</a:t>
             </a:fld>
             <a:endParaRPr lang="ko-KR" altLang="en-US"/>
           </a:p>
@@ -818,7 +818,7 @@
           <a:p>
             <a:fld id="{FE2EBCBD-2891-4145-9196-57E9D5C47B65}" type="datetimeFigureOut">
               <a:rPr lang="ko-KR" altLang="en-US" smtClean="0"/>
-              <a:t>2018-11-03</a:t>
+              <a:t>2018-11-04</a:t>
             </a:fld>
             <a:endParaRPr lang="ko-KR" altLang="en-US"/>
           </a:p>
@@ -1033,7 +1033,7 @@
           <a:p>
             <a:fld id="{FE2EBCBD-2891-4145-9196-57E9D5C47B65}" type="datetimeFigureOut">
               <a:rPr lang="ko-KR" altLang="en-US" smtClean="0"/>
-              <a:t>2018-11-03</a:t>
+              <a:t>2018-11-04</a:t>
             </a:fld>
             <a:endParaRPr lang="ko-KR" altLang="en-US"/>
           </a:p>
@@ -1234,7 +1234,7 @@
           <a:p>
             <a:fld id="{FE2EBCBD-2891-4145-9196-57E9D5C47B65}" type="datetimeFigureOut">
               <a:rPr lang="ko-KR" altLang="en-US" smtClean="0"/>
-              <a:t>2018-11-03</a:t>
+              <a:t>2018-11-04</a:t>
             </a:fld>
             <a:endParaRPr lang="ko-KR" altLang="en-US"/>
           </a:p>
@@ -1513,7 +1513,7 @@
           <a:p>
             <a:fld id="{FE2EBCBD-2891-4145-9196-57E9D5C47B65}" type="datetimeFigureOut">
               <a:rPr lang="ko-KR" altLang="en-US" smtClean="0"/>
-              <a:t>2018-11-03</a:t>
+              <a:t>2018-11-04</a:t>
             </a:fld>
             <a:endParaRPr lang="ko-KR" altLang="en-US"/>
           </a:p>
@@ -1781,7 +1781,7 @@
           <a:p>
             <a:fld id="{FE2EBCBD-2891-4145-9196-57E9D5C47B65}" type="datetimeFigureOut">
               <a:rPr lang="ko-KR" altLang="en-US" smtClean="0"/>
-              <a:t>2018-11-03</a:t>
+              <a:t>2018-11-04</a:t>
             </a:fld>
             <a:endParaRPr lang="ko-KR" altLang="en-US"/>
           </a:p>
@@ -2197,7 +2197,7 @@
           <a:p>
             <a:fld id="{FE2EBCBD-2891-4145-9196-57E9D5C47B65}" type="datetimeFigureOut">
               <a:rPr lang="ko-KR" altLang="en-US" smtClean="0"/>
-              <a:t>2018-11-03</a:t>
+              <a:t>2018-11-04</a:t>
             </a:fld>
             <a:endParaRPr lang="ko-KR" altLang="en-US"/>
           </a:p>
@@ -2346,7 +2346,7 @@
           <a:p>
             <a:fld id="{FE2EBCBD-2891-4145-9196-57E9D5C47B65}" type="datetimeFigureOut">
               <a:rPr lang="ko-KR" altLang="en-US" smtClean="0"/>
-              <a:t>2018-11-03</a:t>
+              <a:t>2018-11-04</a:t>
             </a:fld>
             <a:endParaRPr lang="ko-KR" altLang="en-US"/>
           </a:p>
@@ -2472,7 +2472,7 @@
           <a:p>
             <a:fld id="{FE2EBCBD-2891-4145-9196-57E9D5C47B65}" type="datetimeFigureOut">
               <a:rPr lang="ko-KR" altLang="en-US" smtClean="0"/>
-              <a:t>2018-11-03</a:t>
+              <a:t>2018-11-04</a:t>
             </a:fld>
             <a:endParaRPr lang="ko-KR" altLang="en-US"/>
           </a:p>
@@ -2723,7 +2723,7 @@
           <a:p>
             <a:fld id="{FE2EBCBD-2891-4145-9196-57E9D5C47B65}" type="datetimeFigureOut">
               <a:rPr lang="ko-KR" altLang="en-US" smtClean="0"/>
-              <a:t>2018-11-03</a:t>
+              <a:t>2018-11-04</a:t>
             </a:fld>
             <a:endParaRPr lang="ko-KR" altLang="en-US"/>
           </a:p>
@@ -3168,7 +3168,7 @@
           <a:p>
             <a:fld id="{FE2EBCBD-2891-4145-9196-57E9D5C47B65}" type="datetimeFigureOut">
               <a:rPr lang="ko-KR" altLang="en-US" smtClean="0"/>
-              <a:t>2018-11-03</a:t>
+              <a:t>2018-11-04</a:t>
             </a:fld>
             <a:endParaRPr lang="ko-KR" altLang="en-US"/>
           </a:p>
@@ -3494,7 +3494,7 @@
           <a:p>
             <a:fld id="{FE2EBCBD-2891-4145-9196-57E9D5C47B65}" type="datetimeFigureOut">
               <a:rPr lang="ko-KR" altLang="en-US" smtClean="0"/>
-              <a:t>2018-11-03</a:t>
+              <a:t>2018-11-04</a:t>
             </a:fld>
             <a:endParaRPr lang="ko-KR" altLang="en-US"/>
           </a:p>
@@ -4002,12 +4002,8 @@
           <a:lstStyle/>
           <a:p>
             <a:r>
-              <a:rPr lang="en-US" altLang="ko-KR" dirty="0"/>
-              <a:t>2D </a:t>
-            </a:r>
-            <a:r>
               <a:rPr lang="ko-KR" altLang="en-US" dirty="0"/>
-              <a:t>게임 프로그래밍</a:t>
+              <a:t>중간 발표</a:t>
             </a:r>
           </a:p>
         </p:txBody>
@@ -4034,8 +4030,12 @@
           <a:lstStyle/>
           <a:p>
             <a:r>
+              <a:rPr lang="en-US" altLang="ko-KR" dirty="0"/>
+              <a:t>2D </a:t>
+            </a:r>
+            <a:r>
               <a:rPr lang="ko-KR" altLang="en-US" dirty="0"/>
-              <a:t>중간 발표</a:t>
+              <a:t>게임 프로그래밍</a:t>
             </a:r>
             <a:endParaRPr lang="en-US" altLang="ko-KR" dirty="0"/>
           </a:p>
@@ -4819,7 +4819,7 @@
             <p:ph idx="4294967295"/>
             <p:extLst>
               <p:ext uri="{D42A27DB-BD31-4B8C-83A1-F6EECF244321}">
-                <p14:modId xmlns:p14="http://schemas.microsoft.com/office/powerpoint/2010/main" val="1165138624"/>
+                <p14:modId xmlns:p14="http://schemas.microsoft.com/office/powerpoint/2010/main" val="3121655848"/>
               </p:ext>
             </p:extLst>
           </p:nvPr>
@@ -5028,7 +5028,7 @@
                     <a:p>
                       <a:r>
                         <a:rPr lang="en-US" altLang="ko-KR" dirty="0"/>
-                        <a:t>50% </a:t>
+                        <a:t>70% </a:t>
                       </a:r>
                       <a:r>
                         <a:rPr lang="ko-KR" altLang="en-US" dirty="0"/>
@@ -5040,14 +5040,6 @@
                       <a:r>
                         <a:rPr lang="en-US" altLang="ko-KR" dirty="0"/>
                         <a:t>(</a:t>
-                      </a:r>
-                      <a:r>
-                        <a:rPr lang="ko-KR" altLang="en-US" dirty="0"/>
-                        <a:t>대각선 이동</a:t>
-                      </a:r>
-                      <a:r>
-                        <a:rPr lang="en-US" altLang="ko-KR" dirty="0"/>
-                        <a:t>, </a:t>
                       </a:r>
                       <a:r>
                         <a:rPr lang="ko-KR" altLang="en-US" dirty="0"/>
@@ -5634,10 +5626,10 @@
       </p:sp>
       <p:pic>
         <p:nvPicPr>
-          <p:cNvPr id="3" name="그림 2">
+          <p:cNvPr id="4" name="그림 3">
             <a:extLst>
               <a:ext uri="{FF2B5EF4-FFF2-40B4-BE49-F238E27FC236}">
-                <a16:creationId xmlns:a16="http://schemas.microsoft.com/office/drawing/2014/main" id="{FF513056-C5BB-4754-B0BE-0A18EC2D4AA5}"/>
+                <a16:creationId xmlns:a16="http://schemas.microsoft.com/office/drawing/2014/main" id="{BAF9819B-A2D2-4150-8918-26ED66D2EEF4}"/>
               </a:ext>
             </a:extLst>
           </p:cNvPr>
@@ -5654,8 +5646,8 @@
         </p:blipFill>
         <p:spPr>
           <a:xfrm>
-            <a:off x="1293812" y="1170148"/>
-            <a:ext cx="7095095" cy="4660707"/>
+            <a:off x="1293811" y="1146414"/>
+            <a:ext cx="7095095" cy="4565171"/>
           </a:xfrm>
           <a:prstGeom prst="rect">
             <a:avLst/>

--- a/2D겜플 중간발표.pptx
+++ b/2D겜플 중간발표.pptx
@@ -201,7 +201,7 @@
           <a:p>
             <a:fld id="{4B6388B5-D80D-4105-B455-9E30BEBF8289}" type="datetimeFigureOut">
               <a:rPr lang="ko-KR" altLang="en-US" smtClean="0"/>
-              <a:t>2018-11-04</a:t>
+              <a:t>2018-11-05</a:t>
             </a:fld>
             <a:endParaRPr lang="ko-KR" altLang="en-US"/>
           </a:p>
@@ -607,7 +607,7 @@
           <a:p>
             <a:fld id="{FE2EBCBD-2891-4145-9196-57E9D5C47B65}" type="datetimeFigureOut">
               <a:rPr lang="ko-KR" altLang="en-US" smtClean="0"/>
-              <a:t>2018-11-04</a:t>
+              <a:t>2018-11-05</a:t>
             </a:fld>
             <a:endParaRPr lang="ko-KR" altLang="en-US"/>
           </a:p>
@@ -818,7 +818,7 @@
           <a:p>
             <a:fld id="{FE2EBCBD-2891-4145-9196-57E9D5C47B65}" type="datetimeFigureOut">
               <a:rPr lang="ko-KR" altLang="en-US" smtClean="0"/>
-              <a:t>2018-11-04</a:t>
+              <a:t>2018-11-05</a:t>
             </a:fld>
             <a:endParaRPr lang="ko-KR" altLang="en-US"/>
           </a:p>
@@ -1033,7 +1033,7 @@
           <a:p>
             <a:fld id="{FE2EBCBD-2891-4145-9196-57E9D5C47B65}" type="datetimeFigureOut">
               <a:rPr lang="ko-KR" altLang="en-US" smtClean="0"/>
-              <a:t>2018-11-04</a:t>
+              <a:t>2018-11-05</a:t>
             </a:fld>
             <a:endParaRPr lang="ko-KR" altLang="en-US"/>
           </a:p>
@@ -1234,7 +1234,7 @@
           <a:p>
             <a:fld id="{FE2EBCBD-2891-4145-9196-57E9D5C47B65}" type="datetimeFigureOut">
               <a:rPr lang="ko-KR" altLang="en-US" smtClean="0"/>
-              <a:t>2018-11-04</a:t>
+              <a:t>2018-11-05</a:t>
             </a:fld>
             <a:endParaRPr lang="ko-KR" altLang="en-US"/>
           </a:p>
@@ -1513,7 +1513,7 @@
           <a:p>
             <a:fld id="{FE2EBCBD-2891-4145-9196-57E9D5C47B65}" type="datetimeFigureOut">
               <a:rPr lang="ko-KR" altLang="en-US" smtClean="0"/>
-              <a:t>2018-11-04</a:t>
+              <a:t>2018-11-05</a:t>
             </a:fld>
             <a:endParaRPr lang="ko-KR" altLang="en-US"/>
           </a:p>
@@ -1781,7 +1781,7 @@
           <a:p>
             <a:fld id="{FE2EBCBD-2891-4145-9196-57E9D5C47B65}" type="datetimeFigureOut">
               <a:rPr lang="ko-KR" altLang="en-US" smtClean="0"/>
-              <a:t>2018-11-04</a:t>
+              <a:t>2018-11-05</a:t>
             </a:fld>
             <a:endParaRPr lang="ko-KR" altLang="en-US"/>
           </a:p>
@@ -2197,7 +2197,7 @@
           <a:p>
             <a:fld id="{FE2EBCBD-2891-4145-9196-57E9D5C47B65}" type="datetimeFigureOut">
               <a:rPr lang="ko-KR" altLang="en-US" smtClean="0"/>
-              <a:t>2018-11-04</a:t>
+              <a:t>2018-11-05</a:t>
             </a:fld>
             <a:endParaRPr lang="ko-KR" altLang="en-US"/>
           </a:p>
@@ -2346,7 +2346,7 @@
           <a:p>
             <a:fld id="{FE2EBCBD-2891-4145-9196-57E9D5C47B65}" type="datetimeFigureOut">
               <a:rPr lang="ko-KR" altLang="en-US" smtClean="0"/>
-              <a:t>2018-11-04</a:t>
+              <a:t>2018-11-05</a:t>
             </a:fld>
             <a:endParaRPr lang="ko-KR" altLang="en-US"/>
           </a:p>
@@ -2472,7 +2472,7 @@
           <a:p>
             <a:fld id="{FE2EBCBD-2891-4145-9196-57E9D5C47B65}" type="datetimeFigureOut">
               <a:rPr lang="ko-KR" altLang="en-US" smtClean="0"/>
-              <a:t>2018-11-04</a:t>
+              <a:t>2018-11-05</a:t>
             </a:fld>
             <a:endParaRPr lang="ko-KR" altLang="en-US"/>
           </a:p>
@@ -2723,7 +2723,7 @@
           <a:p>
             <a:fld id="{FE2EBCBD-2891-4145-9196-57E9D5C47B65}" type="datetimeFigureOut">
               <a:rPr lang="ko-KR" altLang="en-US" smtClean="0"/>
-              <a:t>2018-11-04</a:t>
+              <a:t>2018-11-05</a:t>
             </a:fld>
             <a:endParaRPr lang="ko-KR" altLang="en-US"/>
           </a:p>
@@ -3168,7 +3168,7 @@
           <a:p>
             <a:fld id="{FE2EBCBD-2891-4145-9196-57E9D5C47B65}" type="datetimeFigureOut">
               <a:rPr lang="ko-KR" altLang="en-US" smtClean="0"/>
-              <a:t>2018-11-04</a:t>
+              <a:t>2018-11-05</a:t>
             </a:fld>
             <a:endParaRPr lang="ko-KR" altLang="en-US"/>
           </a:p>
@@ -3494,7 +3494,7 @@
           <a:p>
             <a:fld id="{FE2EBCBD-2891-4145-9196-57E9D5C47B65}" type="datetimeFigureOut">
               <a:rPr lang="ko-KR" altLang="en-US" smtClean="0"/>
-              <a:t>2018-11-04</a:t>
+              <a:t>2018-11-05</a:t>
             </a:fld>
             <a:endParaRPr lang="ko-KR" altLang="en-US"/>
           </a:p>
@@ -4308,7 +4308,7 @@
             <p:ph idx="1"/>
             <p:extLst>
               <p:ext uri="{D42A27DB-BD31-4B8C-83A1-F6EECF244321}">
-                <p14:modId xmlns:p14="http://schemas.microsoft.com/office/powerpoint/2010/main" val="2520989631"/>
+                <p14:modId xmlns:p14="http://schemas.microsoft.com/office/powerpoint/2010/main" val="2984767311"/>
               </p:ext>
             </p:extLst>
           </p:nvPr>
@@ -4740,6 +4740,103 @@
           </a:graphicData>
         </a:graphic>
       </p:graphicFrame>
+      <p:sp>
+        <p:nvSpPr>
+          <p:cNvPr id="3" name="TextBox 2">
+            <a:extLst>
+              <a:ext uri="{FF2B5EF4-FFF2-40B4-BE49-F238E27FC236}">
+                <a16:creationId xmlns:a16="http://schemas.microsoft.com/office/drawing/2014/main" id="{E8A1DFA7-D679-47CF-B655-3F59EE87974F}"/>
+              </a:ext>
+            </a:extLst>
+          </p:cNvPr>
+          <p:cNvSpPr txBox="1"/>
+          <p:nvPr/>
+        </p:nvSpPr>
+        <p:spPr>
+          <a:xfrm>
+            <a:off x="4990744" y="3127761"/>
+            <a:ext cx="2734654" cy="369332"/>
+          </a:xfrm>
+          <a:prstGeom prst="rect">
+            <a:avLst/>
+          </a:prstGeom>
+          <a:noFill/>
+        </p:spPr>
+        <p:txBody>
+          <a:bodyPr wrap="square" rtlCol="0">
+            <a:spAutoFit/>
+          </a:bodyPr>
+          <a:lstStyle/>
+          <a:p>
+            <a:r>
+              <a:rPr lang="ko-KR" altLang="en-US" b="1" dirty="0"/>
+              <a:t>→ </a:t>
+            </a:r>
+            <a:r>
+              <a:rPr lang="en-US" altLang="ko-KR" b="1" dirty="0"/>
+              <a:t>1</a:t>
+            </a:r>
+            <a:r>
+              <a:rPr lang="ko-KR" altLang="en-US" b="1" dirty="0"/>
+              <a:t>개 환경의 배경</a:t>
+            </a:r>
+          </a:p>
+        </p:txBody>
+      </p:sp>
+      <p:sp>
+        <p:nvSpPr>
+          <p:cNvPr id="5" name="직사각형 4">
+            <a:extLst>
+              <a:ext uri="{FF2B5EF4-FFF2-40B4-BE49-F238E27FC236}">
+                <a16:creationId xmlns:a16="http://schemas.microsoft.com/office/drawing/2014/main" id="{400D3E30-FB0E-4364-88A5-D95121A85861}"/>
+              </a:ext>
+            </a:extLst>
+          </p:cNvPr>
+          <p:cNvSpPr/>
+          <p:nvPr/>
+        </p:nvSpPr>
+        <p:spPr>
+          <a:xfrm>
+            <a:off x="5161660" y="3546505"/>
+            <a:ext cx="1956987" cy="290557"/>
+          </a:xfrm>
+          <a:prstGeom prst="rect">
+            <a:avLst/>
+          </a:prstGeom>
+          <a:solidFill>
+            <a:srgbClr val="E1DED9"/>
+          </a:solidFill>
+          <a:ln>
+            <a:solidFill>
+              <a:srgbClr val="E1DED9"/>
+            </a:solidFill>
+          </a:ln>
+        </p:spPr>
+        <p:style>
+          <a:lnRef idx="2">
+            <a:schemeClr val="accent1">
+              <a:shade val="50000"/>
+            </a:schemeClr>
+          </a:lnRef>
+          <a:fillRef idx="1">
+            <a:schemeClr val="accent1"/>
+          </a:fillRef>
+          <a:effectRef idx="0">
+            <a:schemeClr val="accent1"/>
+          </a:effectRef>
+          <a:fontRef idx="minor">
+            <a:schemeClr val="lt1"/>
+          </a:fontRef>
+        </p:style>
+        <p:txBody>
+          <a:bodyPr rtlCol="0" anchor="ctr"/>
+          <a:lstStyle/>
+          <a:p>
+            <a:pPr algn="ctr"/>
+            <a:endParaRPr lang="ko-KR" altLang="en-US"/>
+          </a:p>
+        </p:txBody>
+      </p:sp>
     </p:spTree>
     <p:extLst>
       <p:ext uri="{BB962C8B-B14F-4D97-AF65-F5344CB8AC3E}">
@@ -4750,6 +4847,146 @@
   <p:clrMapOvr>
     <a:masterClrMapping/>
   </p:clrMapOvr>
+  <p:timing>
+    <p:tnLst>
+      <p:par>
+        <p:cTn id="1" dur="indefinite" restart="never" nodeType="tmRoot">
+          <p:childTnLst>
+            <p:seq concurrent="1" nextAc="seek">
+              <p:cTn id="2" dur="indefinite" nodeType="mainSeq">
+                <p:childTnLst>
+                  <p:par>
+                    <p:cTn id="3" fill="hold">
+                      <p:stCondLst>
+                        <p:cond delay="indefinite"/>
+                      </p:stCondLst>
+                      <p:childTnLst>
+                        <p:par>
+                          <p:cTn id="4" fill="hold">
+                            <p:stCondLst>
+                              <p:cond delay="0"/>
+                            </p:stCondLst>
+                            <p:childTnLst>
+                              <p:par>
+                                <p:cTn id="5" presetID="10" presetClass="entr" presetSubtype="0" fill="hold" grpId="0" nodeType="clickEffect">
+                                  <p:stCondLst>
+                                    <p:cond delay="0"/>
+                                  </p:stCondLst>
+                                  <p:childTnLst>
+                                    <p:set>
+                                      <p:cBhvr>
+                                        <p:cTn id="6" dur="1" fill="hold">
+                                          <p:stCondLst>
+                                            <p:cond delay="0"/>
+                                          </p:stCondLst>
+                                        </p:cTn>
+                                        <p:tgtEl>
+                                          <p:spTgt spid="3"/>
+                                        </p:tgtEl>
+                                        <p:attrNameLst>
+                                          <p:attrName>style.visibility</p:attrName>
+                                        </p:attrNameLst>
+                                      </p:cBhvr>
+                                      <p:to>
+                                        <p:strVal val="visible"/>
+                                      </p:to>
+                                    </p:set>
+                                    <p:animEffect transition="in" filter="fade">
+                                      <p:cBhvr>
+                                        <p:cTn id="7" dur="500"/>
+                                        <p:tgtEl>
+                                          <p:spTgt spid="3"/>
+                                        </p:tgtEl>
+                                      </p:cBhvr>
+                                    </p:animEffect>
+                                  </p:childTnLst>
+                                </p:cTn>
+                              </p:par>
+                            </p:childTnLst>
+                          </p:cTn>
+                        </p:par>
+                      </p:childTnLst>
+                    </p:cTn>
+                  </p:par>
+                  <p:par>
+                    <p:cTn id="8" fill="hold">
+                      <p:stCondLst>
+                        <p:cond delay="indefinite"/>
+                      </p:stCondLst>
+                      <p:childTnLst>
+                        <p:par>
+                          <p:cTn id="9" fill="hold">
+                            <p:stCondLst>
+                              <p:cond delay="0"/>
+                            </p:stCondLst>
+                            <p:childTnLst>
+                              <p:par>
+                                <p:cTn id="10" presetID="10" presetClass="entr" presetSubtype="0" fill="hold" grpId="0" nodeType="clickEffect">
+                                  <p:stCondLst>
+                                    <p:cond delay="0"/>
+                                  </p:stCondLst>
+                                  <p:childTnLst>
+                                    <p:set>
+                                      <p:cBhvr>
+                                        <p:cTn id="11" dur="1" fill="hold">
+                                          <p:stCondLst>
+                                            <p:cond delay="0"/>
+                                          </p:stCondLst>
+                                        </p:cTn>
+                                        <p:tgtEl>
+                                          <p:spTgt spid="5"/>
+                                        </p:tgtEl>
+                                        <p:attrNameLst>
+                                          <p:attrName>style.visibility</p:attrName>
+                                        </p:attrNameLst>
+                                      </p:cBhvr>
+                                      <p:to>
+                                        <p:strVal val="visible"/>
+                                      </p:to>
+                                    </p:set>
+                                    <p:animEffect transition="in" filter="fade">
+                                      <p:cBhvr>
+                                        <p:cTn id="12" dur="500"/>
+                                        <p:tgtEl>
+                                          <p:spTgt spid="5"/>
+                                        </p:tgtEl>
+                                      </p:cBhvr>
+                                    </p:animEffect>
+                                  </p:childTnLst>
+                                </p:cTn>
+                              </p:par>
+                            </p:childTnLst>
+                          </p:cTn>
+                        </p:par>
+                      </p:childTnLst>
+                    </p:cTn>
+                  </p:par>
+                </p:childTnLst>
+              </p:cTn>
+              <p:prevCondLst>
+                <p:cond evt="onPrev" delay="0">
+                  <p:tgtEl>
+                    <p:sldTgt/>
+                  </p:tgtEl>
+                </p:cond>
+              </p:prevCondLst>
+              <p:nextCondLst>
+                <p:cond evt="onNext" delay="0">
+                  <p:tgtEl>
+                    <p:sldTgt/>
+                  </p:tgtEl>
+                </p:cond>
+              </p:nextCondLst>
+            </p:seq>
+          </p:childTnLst>
+        </p:cTn>
+      </p:par>
+    </p:tnLst>
+    <p:bldLst>
+      <p:bldP spid="3" grpId="0"/>
+      <p:bldP spid="5" grpId="0" animBg="1"/>
+    </p:bldLst>
+  </p:timing>
 </p:sld>
 </file>
 
